--- a/06レビュー記録/第2回スプリングレトロスペクティブ.pptx
+++ b/06レビュー記録/第2回スプリングレトロスペクティブ.pptx
@@ -3810,58 +3810,6 @@
               </a:solidFill>
             </a:endParaRPr>
           </a:p>
-          <a:p>
-            <a:r>
-              <a:rPr kumimoji="1" lang="ja-JP" altLang="en-US" sz="2000" dirty="0">
-                <a:solidFill>
-                  <a:schemeClr val="tx1"/>
-                </a:solidFill>
-              </a:rPr>
-              <a:t>・</a:t>
-            </a:r>
-            <a:endParaRPr kumimoji="1" lang="en-US" altLang="ja-JP" sz="2000" dirty="0">
-              <a:solidFill>
-                <a:schemeClr val="tx1"/>
-              </a:solidFill>
-            </a:endParaRPr>
-          </a:p>
-          <a:p>
-            <a:r>
-              <a:rPr lang="ja-JP" altLang="en-US" sz="2000" dirty="0">
-                <a:solidFill>
-                  <a:schemeClr val="tx1"/>
-                </a:solidFill>
-              </a:rPr>
-              <a:t>・</a:t>
-            </a:r>
-            <a:endParaRPr lang="en-US" altLang="ja-JP" sz="2000" dirty="0">
-              <a:solidFill>
-                <a:schemeClr val="tx1"/>
-              </a:solidFill>
-            </a:endParaRPr>
-          </a:p>
-          <a:p>
-            <a:r>
-              <a:rPr kumimoji="1" lang="ja-JP" altLang="en-US" sz="2000" dirty="0">
-                <a:solidFill>
-                  <a:schemeClr val="tx1"/>
-                </a:solidFill>
-              </a:rPr>
-              <a:t>・</a:t>
-            </a:r>
-            <a:endParaRPr kumimoji="1" lang="en-US" altLang="ja-JP" sz="2000" dirty="0">
-              <a:solidFill>
-                <a:schemeClr val="tx1"/>
-              </a:solidFill>
-            </a:endParaRPr>
-          </a:p>
-          <a:p>
-            <a:endParaRPr kumimoji="1" lang="ja-JP" altLang="en-US" sz="2000" dirty="0">
-              <a:solidFill>
-                <a:schemeClr val="tx1"/>
-              </a:solidFill>
-            </a:endParaRPr>
-          </a:p>
         </p:txBody>
       </p:sp>
       <p:sp>
@@ -3952,60 +3900,7 @@
             </a:endParaRPr>
           </a:p>
           <a:p>
-            <a:r>
-              <a:rPr lang="ja-JP" altLang="en-US" sz="2000">
-                <a:solidFill>
-                  <a:schemeClr val="tx1"/>
-                </a:solidFill>
-              </a:rPr>
-              <a:t>・</a:t>
-            </a:r>
             <a:endParaRPr lang="en-US" altLang="ja-JP" sz="2000" dirty="0">
-              <a:solidFill>
-                <a:schemeClr val="tx1"/>
-              </a:solidFill>
-            </a:endParaRPr>
-          </a:p>
-          <a:p>
-            <a:r>
-              <a:rPr kumimoji="1" lang="ja-JP" altLang="en-US" sz="2000">
-                <a:solidFill>
-                  <a:schemeClr val="tx1"/>
-                </a:solidFill>
-              </a:rPr>
-              <a:t>・</a:t>
-            </a:r>
-            <a:endParaRPr kumimoji="1" lang="en-US" altLang="ja-JP" sz="2000" dirty="0">
-              <a:solidFill>
-                <a:schemeClr val="tx1"/>
-              </a:solidFill>
-            </a:endParaRPr>
-          </a:p>
-          <a:p>
-            <a:r>
-              <a:rPr lang="ja-JP" altLang="en-US" sz="2000" dirty="0">
-                <a:solidFill>
-                  <a:schemeClr val="tx1"/>
-                </a:solidFill>
-              </a:rPr>
-              <a:t>・</a:t>
-            </a:r>
-            <a:endParaRPr lang="en-US" altLang="ja-JP" sz="2000" dirty="0">
-              <a:solidFill>
-                <a:schemeClr val="tx1"/>
-              </a:solidFill>
-            </a:endParaRPr>
-          </a:p>
-          <a:p>
-            <a:r>
-              <a:rPr kumimoji="1" lang="ja-JP" altLang="en-US" sz="2000" dirty="0">
-                <a:solidFill>
-                  <a:schemeClr val="tx1"/>
-                </a:solidFill>
-              </a:rPr>
-              <a:t>・</a:t>
-            </a:r>
-            <a:endParaRPr kumimoji="1" lang="en-US" altLang="ja-JP" sz="2000" dirty="0">
               <a:solidFill>
                 <a:schemeClr val="tx1"/>
               </a:solidFill>
@@ -4123,30 +4018,7 @@
             </a:endParaRPr>
           </a:p>
           <a:p>
-            <a:r>
-              <a:rPr kumimoji="1" lang="ja-JP" altLang="en-US" sz="2000" dirty="0">
-                <a:solidFill>
-                  <a:schemeClr val="tx1"/>
-                </a:solidFill>
-              </a:rPr>
-              <a:t>・</a:t>
-            </a:r>
             <a:endParaRPr kumimoji="1" lang="en-US" altLang="ja-JP" sz="2000" dirty="0">
-              <a:solidFill>
-                <a:schemeClr val="tx1"/>
-              </a:solidFill>
-            </a:endParaRPr>
-          </a:p>
-          <a:p>
-            <a:r>
-              <a:rPr lang="ja-JP" altLang="en-US" sz="2000" dirty="0">
-                <a:solidFill>
-                  <a:schemeClr val="tx1"/>
-                </a:solidFill>
-              </a:rPr>
-              <a:t>・</a:t>
-            </a:r>
-            <a:endParaRPr kumimoji="1" lang="ja-JP" altLang="en-US" sz="2400" dirty="0">
               <a:solidFill>
                 <a:schemeClr val="tx1"/>
               </a:solidFill>
@@ -4637,18 +4509,18 @@
 </file>
 
 <file path=customXml/item2.xml><?xml version="1.0" encoding="utf-8"?>
+<p:properties xmlns:p="http://schemas.microsoft.com/office/2006/metadata/properties" xmlns:xsi="http://www.w3.org/2001/XMLSchema-instance" xmlns:pc="http://schemas.microsoft.com/office/infopath/2007/PartnerControls">
+  <documentManagement/>
+</p:properties>
+</file>
+
+<file path=customXml/item3.xml><?xml version="1.0" encoding="utf-8"?>
 <?mso-contentType ?>
 <FormTemplates xmlns="http://schemas.microsoft.com/sharepoint/v3/contenttype/forms">
   <Display>DocumentLibraryForm</Display>
   <Edit>DocumentLibraryForm</Edit>
   <New>DocumentLibraryForm</New>
 </FormTemplates>
-</file>
-
-<file path=customXml/item3.xml><?xml version="1.0" encoding="utf-8"?>
-<p:properties xmlns:p="http://schemas.microsoft.com/office/2006/metadata/properties" xmlns:xsi="http://www.w3.org/2001/XMLSchema-instance" xmlns:pc="http://schemas.microsoft.com/office/infopath/2007/PartnerControls">
-  <documentManagement/>
-</p:properties>
 </file>
 
 <file path=customXml/itemProps1.xml><?xml version="1.0" encoding="utf-8"?>
@@ -4670,18 +4542,18 @@
 </file>
 
 <file path=customXml/itemProps2.xml><?xml version="1.0" encoding="utf-8"?>
-<ds:datastoreItem xmlns:ds="http://schemas.openxmlformats.org/officeDocument/2006/customXml" ds:itemID="{27F2B004-193B-40FE-AA77-13AC6B5407E7}">
-  <ds:schemaRefs>
-    <ds:schemaRef ds:uri="http://schemas.microsoft.com/sharepoint/v3/contenttype/forms"/>
-  </ds:schemaRefs>
-</ds:datastoreItem>
-</file>
-
-<file path=customXml/itemProps3.xml><?xml version="1.0" encoding="utf-8"?>
 <ds:datastoreItem xmlns:ds="http://schemas.openxmlformats.org/officeDocument/2006/customXml" ds:itemID="{ADAA2642-6792-47F7-9100-35862C9A21B6}">
   <ds:schemaRefs>
     <ds:schemaRef ds:uri="http://schemas.microsoft.com/office/2006/metadata/properties"/>
     <ds:schemaRef ds:uri="http://schemas.microsoft.com/office/infopath/2007/PartnerControls"/>
   </ds:schemaRefs>
 </ds:datastoreItem>
+</file>
+
+<file path=customXml/itemProps3.xml><?xml version="1.0" encoding="utf-8"?>
+<ds:datastoreItem xmlns:ds="http://schemas.openxmlformats.org/officeDocument/2006/customXml" ds:itemID="{27F2B004-193B-40FE-AA77-13AC6B5407E7}">
+  <ds:schemaRefs>
+    <ds:schemaRef ds:uri="http://schemas.microsoft.com/sharepoint/v3/contenttype/forms"/>
+  </ds:schemaRefs>
+</ds:datastoreItem>
 </file>